--- a/img/logo/skills.pptx
+++ b/img/logo/skills.pptx
@@ -6,6 +6,7 @@
   </p:sldMasterIdLst>
   <p:sldIdLst>
     <p:sldId id="257" r:id="rId2"/>
+    <p:sldId id="258" r:id="rId3"/>
   </p:sldIdLst>
   <p:sldSz cx="12192000" cy="6858000"/>
   <p:notesSz cx="6858000" cy="9144000"/>
@@ -104,6 +105,11 @@
       </a:defRPr>
     </a:lvl9pPr>
   </p:defaultTextStyle>
+  <p:extLst>
+    <p:ext uri="{EFAFB233-063F-42B5-8137-9DF3F51BA10A}">
+      <p15:sldGuideLst xmlns:p15="http://schemas.microsoft.com/office/powerpoint/2012/main"/>
+    </p:ext>
+  </p:extLst>
 </p:presentation>
 </file>
 
@@ -254,7 +260,7 @@
           <a:p>
             <a:fld id="{502BF9F5-B9E7-4DB0-8762-B3ED729C4157}" type="datetimeFigureOut">
               <a:rPr lang="en-US" smtClean="0"/>
-              <a:t>2/7/2024</a:t>
+              <a:t>2/13/2024</a:t>
             </a:fld>
             <a:endParaRPr lang="en-US"/>
           </a:p>
@@ -452,7 +458,7 @@
           <a:p>
             <a:fld id="{502BF9F5-B9E7-4DB0-8762-B3ED729C4157}" type="datetimeFigureOut">
               <a:rPr lang="en-US" smtClean="0"/>
-              <a:t>2/7/2024</a:t>
+              <a:t>2/13/2024</a:t>
             </a:fld>
             <a:endParaRPr lang="en-US"/>
           </a:p>
@@ -660,7 +666,7 @@
           <a:p>
             <a:fld id="{502BF9F5-B9E7-4DB0-8762-B3ED729C4157}" type="datetimeFigureOut">
               <a:rPr lang="en-US" smtClean="0"/>
-              <a:t>2/7/2024</a:t>
+              <a:t>2/13/2024</a:t>
             </a:fld>
             <a:endParaRPr lang="en-US"/>
           </a:p>
@@ -858,7 +864,7 @@
           <a:p>
             <a:fld id="{502BF9F5-B9E7-4DB0-8762-B3ED729C4157}" type="datetimeFigureOut">
               <a:rPr lang="en-US" smtClean="0"/>
-              <a:t>2/7/2024</a:t>
+              <a:t>2/13/2024</a:t>
             </a:fld>
             <a:endParaRPr lang="en-US"/>
           </a:p>
@@ -1133,7 +1139,7 @@
           <a:p>
             <a:fld id="{502BF9F5-B9E7-4DB0-8762-B3ED729C4157}" type="datetimeFigureOut">
               <a:rPr lang="en-US" smtClean="0"/>
-              <a:t>2/7/2024</a:t>
+              <a:t>2/13/2024</a:t>
             </a:fld>
             <a:endParaRPr lang="en-US"/>
           </a:p>
@@ -1398,7 +1404,7 @@
           <a:p>
             <a:fld id="{502BF9F5-B9E7-4DB0-8762-B3ED729C4157}" type="datetimeFigureOut">
               <a:rPr lang="en-US" smtClean="0"/>
-              <a:t>2/7/2024</a:t>
+              <a:t>2/13/2024</a:t>
             </a:fld>
             <a:endParaRPr lang="en-US"/>
           </a:p>
@@ -1810,7 +1816,7 @@
           <a:p>
             <a:fld id="{502BF9F5-B9E7-4DB0-8762-B3ED729C4157}" type="datetimeFigureOut">
               <a:rPr lang="en-US" smtClean="0"/>
-              <a:t>2/7/2024</a:t>
+              <a:t>2/13/2024</a:t>
             </a:fld>
             <a:endParaRPr lang="en-US"/>
           </a:p>
@@ -1951,7 +1957,7 @@
           <a:p>
             <a:fld id="{502BF9F5-B9E7-4DB0-8762-B3ED729C4157}" type="datetimeFigureOut">
               <a:rPr lang="en-US" smtClean="0"/>
-              <a:t>2/7/2024</a:t>
+              <a:t>2/13/2024</a:t>
             </a:fld>
             <a:endParaRPr lang="en-US"/>
           </a:p>
@@ -2064,7 +2070,7 @@
           <a:p>
             <a:fld id="{502BF9F5-B9E7-4DB0-8762-B3ED729C4157}" type="datetimeFigureOut">
               <a:rPr lang="en-US" smtClean="0"/>
-              <a:t>2/7/2024</a:t>
+              <a:t>2/13/2024</a:t>
             </a:fld>
             <a:endParaRPr lang="en-US"/>
           </a:p>
@@ -2375,7 +2381,7 @@
           <a:p>
             <a:fld id="{502BF9F5-B9E7-4DB0-8762-B3ED729C4157}" type="datetimeFigureOut">
               <a:rPr lang="en-US" smtClean="0"/>
-              <a:t>2/7/2024</a:t>
+              <a:t>2/13/2024</a:t>
             </a:fld>
             <a:endParaRPr lang="en-US"/>
           </a:p>
@@ -2663,7 +2669,7 @@
           <a:p>
             <a:fld id="{502BF9F5-B9E7-4DB0-8762-B3ED729C4157}" type="datetimeFigureOut">
               <a:rPr lang="en-US" smtClean="0"/>
-              <a:t>2/7/2024</a:t>
+              <a:t>2/13/2024</a:t>
             </a:fld>
             <a:endParaRPr lang="en-US"/>
           </a:p>
@@ -2904,7 +2910,7 @@
           <a:p>
             <a:fld id="{502BF9F5-B9E7-4DB0-8762-B3ED729C4157}" type="datetimeFigureOut">
               <a:rPr lang="en-US" smtClean="0"/>
-              <a:t>2/7/2024</a:t>
+              <a:t>2/13/2024</a:t>
             </a:fld>
             <a:endParaRPr lang="en-US"/>
           </a:p>
@@ -4471,6 +4477,1021 @@
 </p:sld>
 </file>
 
+<file path=ppt/slides/slide2.xml><?xml version="1.0" encoding="utf-8"?>
+<p:sld xmlns:a="http://schemas.openxmlformats.org/drawingml/2006/main" xmlns:r="http://schemas.openxmlformats.org/officeDocument/2006/relationships" xmlns:p="http://schemas.openxmlformats.org/presentationml/2006/main">
+  <p:cSld>
+    <p:spTree>
+      <p:nvGrpSpPr>
+        <p:cNvPr id="1" name="">
+          <a:extLst>
+            <a:ext uri="{FF2B5EF4-FFF2-40B4-BE49-F238E27FC236}">
+              <a16:creationId xmlns:a16="http://schemas.microsoft.com/office/drawing/2014/main" id="{F1894879-48F0-4417-B767-053A6D926887}"/>
+            </a:ext>
+          </a:extLst>
+        </p:cNvPr>
+        <p:cNvGrpSpPr/>
+        <p:nvPr/>
+      </p:nvGrpSpPr>
+      <p:grpSpPr>
+        <a:xfrm>
+          <a:off x="0" y="0"/>
+          <a:ext cx="0" cy="0"/>
+          <a:chOff x="0" y="0"/>
+          <a:chExt cx="0" cy="0"/>
+        </a:xfrm>
+      </p:grpSpPr>
+      <p:pic>
+        <p:nvPicPr>
+          <p:cNvPr id="3" name="Picture 2">
+            <a:extLst>
+              <a:ext uri="{FF2B5EF4-FFF2-40B4-BE49-F238E27FC236}">
+                <a16:creationId xmlns:a16="http://schemas.microsoft.com/office/drawing/2014/main" id="{9C7AFB89-BBB8-12DC-DFBD-D49A3E4447CF}"/>
+              </a:ext>
+            </a:extLst>
+          </p:cNvPr>
+          <p:cNvPicPr>
+            <a:picLocks noChangeAspect="1"/>
+          </p:cNvPicPr>
+          <p:nvPr/>
+        </p:nvPicPr>
+        <p:blipFill rotWithShape="1">
+          <a:blip r:embed="rId2">
+            <a:clrChange>
+              <a:clrFrom>
+                <a:srgbClr val="FFFFFF"/>
+              </a:clrFrom>
+              <a:clrTo>
+                <a:srgbClr val="FFFFFF">
+                  <a:alpha val="0"/>
+                </a:srgbClr>
+              </a:clrTo>
+            </a:clrChange>
+            <a:extLst>
+              <a:ext uri="{28A0092B-C50C-407E-A947-70E740481C1C}">
+                <a14:useLocalDpi xmlns:a14="http://schemas.microsoft.com/office/drawing/2010/main" val="0"/>
+              </a:ext>
+            </a:extLst>
+          </a:blip>
+          <a:srcRect l="26820" t="-1503" r="26450" b="-1"/>
+          <a:stretch/>
+        </p:blipFill>
+        <p:spPr>
+          <a:xfrm>
+            <a:off x="10588257" y="2651001"/>
+            <a:ext cx="763158" cy="872451"/>
+          </a:xfrm>
+          <a:prstGeom prst="rect">
+            <a:avLst/>
+          </a:prstGeom>
+        </p:spPr>
+      </p:pic>
+      <p:pic>
+        <p:nvPicPr>
+          <p:cNvPr id="5" name="Picture 4">
+            <a:extLst>
+              <a:ext uri="{FF2B5EF4-FFF2-40B4-BE49-F238E27FC236}">
+                <a16:creationId xmlns:a16="http://schemas.microsoft.com/office/drawing/2014/main" id="{7DF63D80-7E50-130F-B409-5205A76459AA}"/>
+              </a:ext>
+            </a:extLst>
+          </p:cNvPr>
+          <p:cNvPicPr>
+            <a:picLocks noChangeAspect="1"/>
+          </p:cNvPicPr>
+          <p:nvPr/>
+        </p:nvPicPr>
+        <p:blipFill>
+          <a:blip r:embed="rId3">
+            <a:extLst>
+              <a:ext uri="{28A0092B-C50C-407E-A947-70E740481C1C}">
+                <a14:useLocalDpi xmlns:a14="http://schemas.microsoft.com/office/drawing/2010/main" val="0"/>
+              </a:ext>
+            </a:extLst>
+          </a:blip>
+          <a:srcRect/>
+          <a:stretch/>
+        </p:blipFill>
+        <p:spPr>
+          <a:xfrm>
+            <a:off x="771832" y="2775426"/>
+            <a:ext cx="822960" cy="673091"/>
+          </a:xfrm>
+          <a:prstGeom prst="rect">
+            <a:avLst/>
+          </a:prstGeom>
+        </p:spPr>
+      </p:pic>
+      <p:pic>
+        <p:nvPicPr>
+          <p:cNvPr id="7" name="Picture 6">
+            <a:extLst>
+              <a:ext uri="{FF2B5EF4-FFF2-40B4-BE49-F238E27FC236}">
+                <a16:creationId xmlns:a16="http://schemas.microsoft.com/office/drawing/2014/main" id="{37C963BC-32ED-CE8C-B968-3E813B92F5C8}"/>
+              </a:ext>
+            </a:extLst>
+          </p:cNvPr>
+          <p:cNvPicPr>
+            <a:picLocks noChangeAspect="1"/>
+          </p:cNvPicPr>
+          <p:nvPr/>
+        </p:nvPicPr>
+        <p:blipFill>
+          <a:blip r:embed="rId4">
+            <a:clrChange>
+              <a:clrFrom>
+                <a:srgbClr val="FFFFFF"/>
+              </a:clrFrom>
+              <a:clrTo>
+                <a:srgbClr val="FFFFFF">
+                  <a:alpha val="0"/>
+                </a:srgbClr>
+              </a:clrTo>
+            </a:clrChange>
+            <a:extLst>
+              <a:ext uri="{28A0092B-C50C-407E-A947-70E740481C1C}">
+                <a14:useLocalDpi xmlns:a14="http://schemas.microsoft.com/office/drawing/2010/main" val="0"/>
+              </a:ext>
+            </a:extLst>
+          </a:blip>
+          <a:srcRect/>
+          <a:stretch/>
+        </p:blipFill>
+        <p:spPr>
+          <a:xfrm>
+            <a:off x="771832" y="850259"/>
+            <a:ext cx="822960" cy="436168"/>
+          </a:xfrm>
+          <a:prstGeom prst="rect">
+            <a:avLst/>
+          </a:prstGeom>
+        </p:spPr>
+      </p:pic>
+      <p:pic>
+        <p:nvPicPr>
+          <p:cNvPr id="9" name="Picture 8">
+            <a:extLst>
+              <a:ext uri="{FF2B5EF4-FFF2-40B4-BE49-F238E27FC236}">
+                <a16:creationId xmlns:a16="http://schemas.microsoft.com/office/drawing/2014/main" id="{9E922693-353D-4D07-5E53-44D967DD495B}"/>
+              </a:ext>
+            </a:extLst>
+          </p:cNvPr>
+          <p:cNvPicPr>
+            <a:picLocks noChangeAspect="1"/>
+          </p:cNvPicPr>
+          <p:nvPr/>
+        </p:nvPicPr>
+        <p:blipFill>
+          <a:blip r:embed="rId5">
+            <a:extLst>
+              <a:ext uri="{28A0092B-C50C-407E-A947-70E740481C1C}">
+                <a14:useLocalDpi xmlns:a14="http://schemas.microsoft.com/office/drawing/2010/main" val="0"/>
+              </a:ext>
+            </a:extLst>
+          </a:blip>
+          <a:srcRect/>
+          <a:stretch/>
+        </p:blipFill>
+        <p:spPr>
+          <a:xfrm>
+            <a:off x="5792035" y="756695"/>
+            <a:ext cx="822960" cy="822960"/>
+          </a:xfrm>
+          <a:prstGeom prst="rect">
+            <a:avLst/>
+          </a:prstGeom>
+        </p:spPr>
+      </p:pic>
+      <p:pic>
+        <p:nvPicPr>
+          <p:cNvPr id="11" name="Graphic 10">
+            <a:extLst>
+              <a:ext uri="{FF2B5EF4-FFF2-40B4-BE49-F238E27FC236}">
+                <a16:creationId xmlns:a16="http://schemas.microsoft.com/office/drawing/2014/main" id="{25215186-CC67-0326-F1E8-D26D19889AFF}"/>
+              </a:ext>
+            </a:extLst>
+          </p:cNvPr>
+          <p:cNvPicPr>
+            <a:picLocks noChangeAspect="1"/>
+          </p:cNvPicPr>
+          <p:nvPr/>
+        </p:nvPicPr>
+        <p:blipFill rotWithShape="1">
+          <a:blip r:embed="rId6">
+            <a:extLst>
+              <a:ext uri="{28A0092B-C50C-407E-A947-70E740481C1C}">
+                <a14:useLocalDpi xmlns:a14="http://schemas.microsoft.com/office/drawing/2010/main" val="0"/>
+              </a:ext>
+            </a:extLst>
+          </a:blip>
+          <a:srcRect l="28490" r="20155"/>
+          <a:stretch/>
+        </p:blipFill>
+        <p:spPr>
+          <a:xfrm>
+            <a:off x="3207891" y="2656590"/>
+            <a:ext cx="890335" cy="975985"/>
+          </a:xfrm>
+          <a:prstGeom prst="rect">
+            <a:avLst/>
+          </a:prstGeom>
+        </p:spPr>
+      </p:pic>
+      <p:pic>
+        <p:nvPicPr>
+          <p:cNvPr id="13" name="Graphic 12">
+            <a:extLst>
+              <a:ext uri="{FF2B5EF4-FFF2-40B4-BE49-F238E27FC236}">
+                <a16:creationId xmlns:a16="http://schemas.microsoft.com/office/drawing/2014/main" id="{12947947-869A-6E50-791A-36E4B83F0B04}"/>
+              </a:ext>
+            </a:extLst>
+          </p:cNvPr>
+          <p:cNvPicPr>
+            <a:picLocks noChangeAspect="1"/>
+          </p:cNvPicPr>
+          <p:nvPr/>
+        </p:nvPicPr>
+        <p:blipFill>
+          <a:blip r:embed="rId7">
+            <a:clrChange>
+              <a:clrFrom>
+                <a:srgbClr val="FFFFFF"/>
+              </a:clrFrom>
+              <a:clrTo>
+                <a:srgbClr val="FFFFFF">
+                  <a:alpha val="0"/>
+                </a:srgbClr>
+              </a:clrTo>
+            </a:clrChange>
+            <a:extLst>
+              <a:ext uri="{28A0092B-C50C-407E-A947-70E740481C1C}">
+                <a14:useLocalDpi xmlns:a14="http://schemas.microsoft.com/office/drawing/2010/main" val="0"/>
+              </a:ext>
+            </a:extLst>
+          </a:blip>
+          <a:srcRect/>
+          <a:stretch/>
+        </p:blipFill>
+        <p:spPr>
+          <a:xfrm>
+            <a:off x="5853709" y="2700492"/>
+            <a:ext cx="822960" cy="822960"/>
+          </a:xfrm>
+          <a:prstGeom prst="rect">
+            <a:avLst/>
+          </a:prstGeom>
+        </p:spPr>
+      </p:pic>
+      <p:sp>
+        <p:nvSpPr>
+          <p:cNvPr id="56" name="TextBox 55">
+            <a:extLst>
+              <a:ext uri="{FF2B5EF4-FFF2-40B4-BE49-F238E27FC236}">
+                <a16:creationId xmlns:a16="http://schemas.microsoft.com/office/drawing/2014/main" id="{41A45138-AA12-6435-5573-B100E633307C}"/>
+              </a:ext>
+            </a:extLst>
+          </p:cNvPr>
+          <p:cNvSpPr txBox="1"/>
+          <p:nvPr/>
+        </p:nvSpPr>
+        <p:spPr>
+          <a:xfrm>
+            <a:off x="360330" y="1615996"/>
+            <a:ext cx="1645963" cy="646331"/>
+          </a:xfrm>
+          <a:prstGeom prst="rect">
+            <a:avLst/>
+          </a:prstGeom>
+          <a:noFill/>
+        </p:spPr>
+        <p:txBody>
+          <a:bodyPr wrap="none" rtlCol="0">
+            <a:spAutoFit/>
+          </a:bodyPr>
+          <a:lstStyle/>
+          <a:p>
+            <a:pPr algn="ctr"/>
+            <a:r>
+              <a:rPr lang="en-US" b="1" i="0" dirty="0">
+                <a:effectLst/>
+              </a:rPr>
+              <a:t>Reinforcement </a:t>
+            </a:r>
+          </a:p>
+          <a:p>
+            <a:pPr algn="ctr"/>
+            <a:r>
+              <a:rPr lang="en-US" b="1" i="0" dirty="0">
+                <a:effectLst/>
+              </a:rPr>
+              <a:t>Learning </a:t>
+            </a:r>
+            <a:endParaRPr lang="en-US" b="1" dirty="0"/>
+          </a:p>
+        </p:txBody>
+      </p:sp>
+      <p:sp>
+        <p:nvSpPr>
+          <p:cNvPr id="61" name="TextBox 60">
+            <a:extLst>
+              <a:ext uri="{FF2B5EF4-FFF2-40B4-BE49-F238E27FC236}">
+                <a16:creationId xmlns:a16="http://schemas.microsoft.com/office/drawing/2014/main" id="{FF2E77FC-A895-866A-CAE3-EFB1ACD42B52}"/>
+              </a:ext>
+            </a:extLst>
+          </p:cNvPr>
+          <p:cNvSpPr txBox="1"/>
+          <p:nvPr/>
+        </p:nvSpPr>
+        <p:spPr>
+          <a:xfrm>
+            <a:off x="3464826" y="1629172"/>
+            <a:ext cx="306494" cy="369332"/>
+          </a:xfrm>
+          <a:prstGeom prst="rect">
+            <a:avLst/>
+          </a:prstGeom>
+          <a:noFill/>
+        </p:spPr>
+        <p:txBody>
+          <a:bodyPr wrap="none" rtlCol="0">
+            <a:spAutoFit/>
+          </a:bodyPr>
+          <a:lstStyle/>
+          <a:p>
+            <a:pPr algn="ctr"/>
+            <a:r>
+              <a:rPr lang="en-US" b="1" i="0" dirty="0">
+                <a:effectLst/>
+              </a:rPr>
+              <a:t>C</a:t>
+            </a:r>
+            <a:endParaRPr lang="en-US" b="1" dirty="0"/>
+          </a:p>
+        </p:txBody>
+      </p:sp>
+      <p:sp>
+        <p:nvSpPr>
+          <p:cNvPr id="62" name="TextBox 61">
+            <a:extLst>
+              <a:ext uri="{FF2B5EF4-FFF2-40B4-BE49-F238E27FC236}">
+                <a16:creationId xmlns:a16="http://schemas.microsoft.com/office/drawing/2014/main" id="{6728CB8C-8721-AABA-3ED2-4FB6342C040D}"/>
+              </a:ext>
+            </a:extLst>
+          </p:cNvPr>
+          <p:cNvSpPr txBox="1"/>
+          <p:nvPr/>
+        </p:nvSpPr>
+        <p:spPr>
+          <a:xfrm>
+            <a:off x="5995115" y="1615996"/>
+            <a:ext cx="540149" cy="369332"/>
+          </a:xfrm>
+          <a:prstGeom prst="rect">
+            <a:avLst/>
+          </a:prstGeom>
+          <a:noFill/>
+        </p:spPr>
+        <p:txBody>
+          <a:bodyPr wrap="none" rtlCol="0">
+            <a:spAutoFit/>
+          </a:bodyPr>
+          <a:lstStyle/>
+          <a:p>
+            <a:pPr algn="ctr"/>
+            <a:r>
+              <a:rPr lang="en-US" b="1" i="0" dirty="0">
+                <a:effectLst/>
+              </a:rPr>
+              <a:t>C++</a:t>
+            </a:r>
+            <a:endParaRPr lang="en-US" b="1" dirty="0"/>
+          </a:p>
+        </p:txBody>
+      </p:sp>
+      <p:sp>
+        <p:nvSpPr>
+          <p:cNvPr id="63" name="TextBox 62">
+            <a:extLst>
+              <a:ext uri="{FF2B5EF4-FFF2-40B4-BE49-F238E27FC236}">
+                <a16:creationId xmlns:a16="http://schemas.microsoft.com/office/drawing/2014/main" id="{B1F530D7-528F-5FE1-9960-1EE65BAF8153}"/>
+              </a:ext>
+            </a:extLst>
+          </p:cNvPr>
+          <p:cNvSpPr txBox="1"/>
+          <p:nvPr/>
+        </p:nvSpPr>
+        <p:spPr>
+          <a:xfrm>
+            <a:off x="8531387" y="1629172"/>
+            <a:ext cx="644472" cy="369332"/>
+          </a:xfrm>
+          <a:prstGeom prst="rect">
+            <a:avLst/>
+          </a:prstGeom>
+          <a:noFill/>
+        </p:spPr>
+        <p:txBody>
+          <a:bodyPr wrap="none" rtlCol="0">
+            <a:spAutoFit/>
+          </a:bodyPr>
+          <a:lstStyle/>
+          <a:p>
+            <a:pPr algn="ctr"/>
+            <a:r>
+              <a:rPr lang="en-US" b="1" i="0" dirty="0">
+                <a:effectLst/>
+              </a:rPr>
+              <a:t>Java </a:t>
+            </a:r>
+            <a:endParaRPr lang="en-US" b="1" dirty="0"/>
+          </a:p>
+        </p:txBody>
+      </p:sp>
+      <p:sp>
+        <p:nvSpPr>
+          <p:cNvPr id="1024" name="TextBox 1023">
+            <a:extLst>
+              <a:ext uri="{FF2B5EF4-FFF2-40B4-BE49-F238E27FC236}">
+                <a16:creationId xmlns:a16="http://schemas.microsoft.com/office/drawing/2014/main" id="{DC2C50AD-38DE-317E-5B4A-E3398BFE5D80}"/>
+              </a:ext>
+            </a:extLst>
+          </p:cNvPr>
+          <p:cNvSpPr txBox="1"/>
+          <p:nvPr/>
+        </p:nvSpPr>
+        <p:spPr>
+          <a:xfrm>
+            <a:off x="10541605" y="1629172"/>
+            <a:ext cx="934166" cy="369332"/>
+          </a:xfrm>
+          <a:prstGeom prst="rect">
+            <a:avLst/>
+          </a:prstGeom>
+          <a:noFill/>
+        </p:spPr>
+        <p:txBody>
+          <a:bodyPr wrap="none" rtlCol="0">
+            <a:spAutoFit/>
+          </a:bodyPr>
+          <a:lstStyle/>
+          <a:p>
+            <a:pPr algn="ctr"/>
+            <a:r>
+              <a:rPr lang="en-US" b="1" i="0" dirty="0">
+                <a:effectLst/>
+              </a:rPr>
+              <a:t>PyTorch</a:t>
+            </a:r>
+            <a:endParaRPr lang="en-US" b="1" dirty="0"/>
+          </a:p>
+        </p:txBody>
+      </p:sp>
+      <p:sp>
+        <p:nvSpPr>
+          <p:cNvPr id="1025" name="TextBox 1024">
+            <a:extLst>
+              <a:ext uri="{FF2B5EF4-FFF2-40B4-BE49-F238E27FC236}">
+                <a16:creationId xmlns:a16="http://schemas.microsoft.com/office/drawing/2014/main" id="{DF0B1EA6-FD0E-4C67-711B-726C7FBB3807}"/>
+              </a:ext>
+            </a:extLst>
+          </p:cNvPr>
+          <p:cNvSpPr txBox="1"/>
+          <p:nvPr/>
+        </p:nvSpPr>
+        <p:spPr>
+          <a:xfrm>
+            <a:off x="749441" y="3671332"/>
+            <a:ext cx="930063" cy="369332"/>
+          </a:xfrm>
+          <a:prstGeom prst="rect">
+            <a:avLst/>
+          </a:prstGeom>
+          <a:noFill/>
+        </p:spPr>
+        <p:txBody>
+          <a:bodyPr wrap="none" rtlCol="0">
+            <a:spAutoFit/>
+          </a:bodyPr>
+          <a:lstStyle/>
+          <a:p>
+            <a:pPr algn="ctr"/>
+            <a:r>
+              <a:rPr lang="en-US" b="1" i="0" dirty="0">
+                <a:effectLst/>
+              </a:rPr>
+              <a:t>Blender</a:t>
+            </a:r>
+            <a:endParaRPr lang="en-US" b="1" dirty="0"/>
+          </a:p>
+        </p:txBody>
+      </p:sp>
+      <p:sp>
+        <p:nvSpPr>
+          <p:cNvPr id="1027" name="TextBox 1026">
+            <a:extLst>
+              <a:ext uri="{FF2B5EF4-FFF2-40B4-BE49-F238E27FC236}">
+                <a16:creationId xmlns:a16="http://schemas.microsoft.com/office/drawing/2014/main" id="{FF39565C-D370-4B04-1ADE-4FA4A05D235B}"/>
+              </a:ext>
+            </a:extLst>
+          </p:cNvPr>
+          <p:cNvSpPr txBox="1"/>
+          <p:nvPr/>
+        </p:nvSpPr>
+        <p:spPr>
+          <a:xfrm>
+            <a:off x="3249513" y="3671332"/>
+            <a:ext cx="737125" cy="369332"/>
+          </a:xfrm>
+          <a:prstGeom prst="rect">
+            <a:avLst/>
+          </a:prstGeom>
+          <a:noFill/>
+        </p:spPr>
+        <p:txBody>
+          <a:bodyPr wrap="none" rtlCol="0">
+            <a:spAutoFit/>
+          </a:bodyPr>
+          <a:lstStyle/>
+          <a:p>
+            <a:pPr algn="ctr"/>
+            <a:r>
+              <a:rPr lang="en-US" b="1" dirty="0"/>
+              <a:t>CUDA</a:t>
+            </a:r>
+          </a:p>
+        </p:txBody>
+      </p:sp>
+      <p:sp>
+        <p:nvSpPr>
+          <p:cNvPr id="1028" name="TextBox 1027">
+            <a:extLst>
+              <a:ext uri="{FF2B5EF4-FFF2-40B4-BE49-F238E27FC236}">
+                <a16:creationId xmlns:a16="http://schemas.microsoft.com/office/drawing/2014/main" id="{5088D15E-8C5D-3B27-979D-9F22D6C0CBB3}"/>
+              </a:ext>
+            </a:extLst>
+          </p:cNvPr>
+          <p:cNvSpPr txBox="1"/>
+          <p:nvPr/>
+        </p:nvSpPr>
+        <p:spPr>
+          <a:xfrm>
+            <a:off x="5841392" y="3671332"/>
+            <a:ext cx="851643" cy="369332"/>
+          </a:xfrm>
+          <a:prstGeom prst="rect">
+            <a:avLst/>
+          </a:prstGeom>
+          <a:noFill/>
+        </p:spPr>
+        <p:txBody>
+          <a:bodyPr wrap="none" rtlCol="0">
+            <a:spAutoFit/>
+          </a:bodyPr>
+          <a:lstStyle/>
+          <a:p>
+            <a:pPr algn="ctr"/>
+            <a:r>
+              <a:rPr lang="en-US" b="1" i="0" dirty="0">
+                <a:effectLst/>
+              </a:rPr>
+              <a:t>Docker</a:t>
+            </a:r>
+            <a:endParaRPr lang="en-US" b="1" dirty="0"/>
+          </a:p>
+        </p:txBody>
+      </p:sp>
+      <p:sp>
+        <p:nvSpPr>
+          <p:cNvPr id="1029" name="TextBox 1028">
+            <a:extLst>
+              <a:ext uri="{FF2B5EF4-FFF2-40B4-BE49-F238E27FC236}">
+                <a16:creationId xmlns:a16="http://schemas.microsoft.com/office/drawing/2014/main" id="{421428B3-9801-EC1C-80C4-C5C3CB7169BF}"/>
+              </a:ext>
+            </a:extLst>
+          </p:cNvPr>
+          <p:cNvSpPr txBox="1"/>
+          <p:nvPr/>
+        </p:nvSpPr>
+        <p:spPr>
+          <a:xfrm>
+            <a:off x="8613985" y="3662658"/>
+            <a:ext cx="596638" cy="369332"/>
+          </a:xfrm>
+          <a:prstGeom prst="rect">
+            <a:avLst/>
+          </a:prstGeom>
+          <a:noFill/>
+        </p:spPr>
+        <p:txBody>
+          <a:bodyPr wrap="none" rtlCol="0">
+            <a:spAutoFit/>
+          </a:bodyPr>
+          <a:lstStyle/>
+          <a:p>
+            <a:pPr algn="ctr"/>
+            <a:r>
+              <a:rPr lang="en-US" b="1" i="0" dirty="0">
+                <a:effectLst/>
+              </a:rPr>
+              <a:t>GUI </a:t>
+            </a:r>
+            <a:endParaRPr lang="en-US" b="1" dirty="0"/>
+          </a:p>
+        </p:txBody>
+      </p:sp>
+      <p:sp>
+        <p:nvSpPr>
+          <p:cNvPr id="1030" name="TextBox 1029">
+            <a:extLst>
+              <a:ext uri="{FF2B5EF4-FFF2-40B4-BE49-F238E27FC236}">
+                <a16:creationId xmlns:a16="http://schemas.microsoft.com/office/drawing/2014/main" id="{50C9CE9A-8A45-545B-F25E-9BECC4560199}"/>
+              </a:ext>
+            </a:extLst>
+          </p:cNvPr>
+          <p:cNvSpPr txBox="1"/>
+          <p:nvPr/>
+        </p:nvSpPr>
+        <p:spPr>
+          <a:xfrm>
+            <a:off x="10421381" y="3661128"/>
+            <a:ext cx="1174617" cy="369332"/>
+          </a:xfrm>
+          <a:prstGeom prst="rect">
+            <a:avLst/>
+          </a:prstGeom>
+          <a:noFill/>
+        </p:spPr>
+        <p:txBody>
+          <a:bodyPr wrap="none" rtlCol="0">
+            <a:spAutoFit/>
+          </a:bodyPr>
+          <a:lstStyle/>
+          <a:p>
+            <a:pPr algn="ctr"/>
+            <a:r>
+              <a:rPr lang="en-US" b="1" i="0" dirty="0">
+                <a:effectLst/>
+              </a:rPr>
+              <a:t>ISAAC SIM</a:t>
+            </a:r>
+            <a:endParaRPr lang="en-US" b="1" dirty="0"/>
+          </a:p>
+        </p:txBody>
+      </p:sp>
+      <p:sp>
+        <p:nvSpPr>
+          <p:cNvPr id="1031" name="TextBox 1030">
+            <a:extLst>
+              <a:ext uri="{FF2B5EF4-FFF2-40B4-BE49-F238E27FC236}">
+                <a16:creationId xmlns:a16="http://schemas.microsoft.com/office/drawing/2014/main" id="{9646BBF3-D8F3-0619-68C7-95C1AF995C92}"/>
+              </a:ext>
+            </a:extLst>
+          </p:cNvPr>
+          <p:cNvSpPr txBox="1"/>
+          <p:nvPr/>
+        </p:nvSpPr>
+        <p:spPr>
+          <a:xfrm>
+            <a:off x="450769" y="5717029"/>
+            <a:ext cx="1527406" cy="646331"/>
+          </a:xfrm>
+          <a:prstGeom prst="rect">
+            <a:avLst/>
+          </a:prstGeom>
+          <a:noFill/>
+        </p:spPr>
+        <p:txBody>
+          <a:bodyPr wrap="none" rtlCol="0">
+            <a:spAutoFit/>
+          </a:bodyPr>
+          <a:lstStyle/>
+          <a:p>
+            <a:pPr algn="ctr"/>
+            <a:r>
+              <a:rPr lang="en-US" b="1" dirty="0"/>
+              <a:t>Robot </a:t>
+            </a:r>
+          </a:p>
+          <a:p>
+            <a:pPr algn="ctr"/>
+            <a:r>
+              <a:rPr lang="en-US" b="1" dirty="0"/>
+              <a:t>Development </a:t>
+            </a:r>
+          </a:p>
+        </p:txBody>
+      </p:sp>
+      <p:pic>
+        <p:nvPicPr>
+          <p:cNvPr id="2" name="Picture 1">
+            <a:extLst>
+              <a:ext uri="{FF2B5EF4-FFF2-40B4-BE49-F238E27FC236}">
+                <a16:creationId xmlns:a16="http://schemas.microsoft.com/office/drawing/2014/main" id="{6BADAB2E-EACC-22AB-95E3-149B811DEE14}"/>
+              </a:ext>
+            </a:extLst>
+          </p:cNvPr>
+          <p:cNvPicPr>
+            <a:picLocks noChangeAspect="1"/>
+          </p:cNvPicPr>
+          <p:nvPr/>
+        </p:nvPicPr>
+        <p:blipFill>
+          <a:blip r:embed="rId8">
+            <a:extLst>
+              <a:ext uri="{28A0092B-C50C-407E-A947-70E740481C1C}">
+                <a14:useLocalDpi xmlns:a14="http://schemas.microsoft.com/office/drawing/2010/main" val="0"/>
+              </a:ext>
+            </a:extLst>
+          </a:blip>
+          <a:srcRect/>
+          <a:stretch/>
+        </p:blipFill>
+        <p:spPr>
+          <a:xfrm>
+            <a:off x="3245704" y="756695"/>
+            <a:ext cx="744735" cy="822960"/>
+          </a:xfrm>
+          <a:prstGeom prst="rect">
+            <a:avLst/>
+          </a:prstGeom>
+        </p:spPr>
+      </p:pic>
+      <p:pic>
+        <p:nvPicPr>
+          <p:cNvPr id="4" name="Picture 3">
+            <a:extLst>
+              <a:ext uri="{FF2B5EF4-FFF2-40B4-BE49-F238E27FC236}">
+                <a16:creationId xmlns:a16="http://schemas.microsoft.com/office/drawing/2014/main" id="{159E8A6D-0560-B370-1646-192ECE40F50D}"/>
+              </a:ext>
+            </a:extLst>
+          </p:cNvPr>
+          <p:cNvPicPr>
+            <a:picLocks noChangeAspect="1"/>
+          </p:cNvPicPr>
+          <p:nvPr/>
+        </p:nvPicPr>
+        <p:blipFill>
+          <a:blip r:embed="rId9">
+            <a:clrChange>
+              <a:clrFrom>
+                <a:srgbClr val="FFFFFF"/>
+              </a:clrFrom>
+              <a:clrTo>
+                <a:srgbClr val="FFFFFF">
+                  <a:alpha val="0"/>
+                </a:srgbClr>
+              </a:clrTo>
+            </a:clrChange>
+            <a:extLst>
+              <a:ext uri="{28A0092B-C50C-407E-A947-70E740481C1C}">
+                <a14:useLocalDpi xmlns:a14="http://schemas.microsoft.com/office/drawing/2010/main" val="0"/>
+              </a:ext>
+            </a:extLst>
+          </a:blip>
+          <a:srcRect l="18086" r="18086"/>
+          <a:stretch/>
+        </p:blipFill>
+        <p:spPr>
+          <a:xfrm>
+            <a:off x="8389481" y="697738"/>
+            <a:ext cx="900663" cy="881917"/>
+          </a:xfrm>
+          <a:prstGeom prst="rect">
+            <a:avLst/>
+          </a:prstGeom>
+        </p:spPr>
+      </p:pic>
+      <p:pic>
+        <p:nvPicPr>
+          <p:cNvPr id="6" name="Picture 5">
+            <a:extLst>
+              <a:ext uri="{FF2B5EF4-FFF2-40B4-BE49-F238E27FC236}">
+                <a16:creationId xmlns:a16="http://schemas.microsoft.com/office/drawing/2014/main" id="{64EBE86B-AE06-9361-1097-4532213DDE48}"/>
+              </a:ext>
+            </a:extLst>
+          </p:cNvPr>
+          <p:cNvPicPr>
+            <a:picLocks noChangeAspect="1"/>
+          </p:cNvPicPr>
+          <p:nvPr/>
+        </p:nvPicPr>
+        <p:blipFill>
+          <a:blip r:embed="rId10">
+            <a:clrChange>
+              <a:clrFrom>
+                <a:srgbClr val="FFFFFF"/>
+              </a:clrFrom>
+              <a:clrTo>
+                <a:srgbClr val="FFFFFF">
+                  <a:alpha val="0"/>
+                </a:srgbClr>
+              </a:clrTo>
+            </a:clrChange>
+            <a:extLst>
+              <a:ext uri="{28A0092B-C50C-407E-A947-70E740481C1C}">
+                <a14:useLocalDpi xmlns:a14="http://schemas.microsoft.com/office/drawing/2010/main" val="0"/>
+              </a:ext>
+            </a:extLst>
+          </a:blip>
+          <a:srcRect l="19185" r="19185"/>
+          <a:stretch/>
+        </p:blipFill>
+        <p:spPr>
+          <a:xfrm>
+            <a:off x="10519505" y="734079"/>
+            <a:ext cx="900663" cy="881917"/>
+          </a:xfrm>
+          <a:prstGeom prst="rect">
+            <a:avLst/>
+          </a:prstGeom>
+        </p:spPr>
+      </p:pic>
+      <p:pic>
+        <p:nvPicPr>
+          <p:cNvPr id="8" name="Graphic 12">
+            <a:extLst>
+              <a:ext uri="{FF2B5EF4-FFF2-40B4-BE49-F238E27FC236}">
+                <a16:creationId xmlns:a16="http://schemas.microsoft.com/office/drawing/2014/main" id="{3FA44D80-B7A0-8884-E241-65B7CA2EC231}"/>
+              </a:ext>
+            </a:extLst>
+          </p:cNvPr>
+          <p:cNvPicPr>
+            <a:picLocks noChangeAspect="1"/>
+          </p:cNvPicPr>
+          <p:nvPr/>
+        </p:nvPicPr>
+        <p:blipFill>
+          <a:blip r:embed="rId11">
+            <a:extLst>
+              <a:ext uri="{28A0092B-C50C-407E-A947-70E740481C1C}">
+                <a14:useLocalDpi xmlns:a14="http://schemas.microsoft.com/office/drawing/2010/main" val="0"/>
+              </a:ext>
+            </a:extLst>
+          </a:blip>
+          <a:srcRect/>
+          <a:stretch/>
+        </p:blipFill>
+        <p:spPr>
+          <a:xfrm>
+            <a:off x="8500823" y="2706013"/>
+            <a:ext cx="822960" cy="822960"/>
+          </a:xfrm>
+          <a:prstGeom prst="rect">
+            <a:avLst/>
+          </a:prstGeom>
+        </p:spPr>
+      </p:pic>
+      <p:pic>
+        <p:nvPicPr>
+          <p:cNvPr id="10" name="Picture 9">
+            <a:extLst>
+              <a:ext uri="{FF2B5EF4-FFF2-40B4-BE49-F238E27FC236}">
+                <a16:creationId xmlns:a16="http://schemas.microsoft.com/office/drawing/2014/main" id="{463C0F8D-05A1-9179-19BB-709A8CFB4E64}"/>
+              </a:ext>
+            </a:extLst>
+          </p:cNvPr>
+          <p:cNvPicPr>
+            <a:picLocks noChangeAspect="1"/>
+          </p:cNvPicPr>
+          <p:nvPr/>
+        </p:nvPicPr>
+        <p:blipFill rotWithShape="1">
+          <a:blip r:embed="rId12">
+            <a:clrChange>
+              <a:clrFrom>
+                <a:srgbClr val="FFFFFF"/>
+              </a:clrFrom>
+              <a:clrTo>
+                <a:srgbClr val="FFFFFF">
+                  <a:alpha val="0"/>
+                </a:srgbClr>
+              </a:clrTo>
+            </a:clrChange>
+            <a:extLst>
+              <a:ext uri="{28A0092B-C50C-407E-A947-70E740481C1C}">
+                <a14:useLocalDpi xmlns:a14="http://schemas.microsoft.com/office/drawing/2010/main" val="0"/>
+              </a:ext>
+            </a:extLst>
+          </a:blip>
+          <a:srcRect t="25981" r="2705" b="19147"/>
+          <a:stretch/>
+        </p:blipFill>
+        <p:spPr>
+          <a:xfrm>
+            <a:off x="551515" y="4952534"/>
+            <a:ext cx="1263591" cy="764495"/>
+          </a:xfrm>
+          <a:prstGeom prst="rect">
+            <a:avLst/>
+          </a:prstGeom>
+        </p:spPr>
+      </p:pic>
+      <p:pic>
+        <p:nvPicPr>
+          <p:cNvPr id="12" name="Graphic 10">
+            <a:extLst>
+              <a:ext uri="{FF2B5EF4-FFF2-40B4-BE49-F238E27FC236}">
+                <a16:creationId xmlns:a16="http://schemas.microsoft.com/office/drawing/2014/main" id="{5745495D-3F08-2342-8CED-2B220D7D3A1B}"/>
+              </a:ext>
+            </a:extLst>
+          </p:cNvPr>
+          <p:cNvPicPr>
+            <a:picLocks noChangeAspect="1"/>
+          </p:cNvPicPr>
+          <p:nvPr/>
+        </p:nvPicPr>
+        <p:blipFill rotWithShape="1">
+          <a:blip r:embed="rId13">
+            <a:clrChange>
+              <a:clrFrom>
+                <a:srgbClr val="E6E6E6"/>
+              </a:clrFrom>
+              <a:clrTo>
+                <a:srgbClr val="E6E6E6">
+                  <a:alpha val="0"/>
+                </a:srgbClr>
+              </a:clrTo>
+            </a:clrChange>
+            <a:extLst>
+              <a:ext uri="{28A0092B-C50C-407E-A947-70E740481C1C}">
+                <a14:useLocalDpi xmlns:a14="http://schemas.microsoft.com/office/drawing/2010/main" val="0"/>
+              </a:ext>
+            </a:extLst>
+          </a:blip>
+          <a:srcRect l="9348" r="8992"/>
+          <a:stretch/>
+        </p:blipFill>
+        <p:spPr>
+          <a:xfrm>
+            <a:off x="3165532" y="4871748"/>
+            <a:ext cx="905077" cy="845281"/>
+          </a:xfrm>
+          <a:prstGeom prst="rect">
+            <a:avLst/>
+          </a:prstGeom>
+        </p:spPr>
+      </p:pic>
+      <p:sp>
+        <p:nvSpPr>
+          <p:cNvPr id="14" name="TextBox 13">
+            <a:extLst>
+              <a:ext uri="{FF2B5EF4-FFF2-40B4-BE49-F238E27FC236}">
+                <a16:creationId xmlns:a16="http://schemas.microsoft.com/office/drawing/2014/main" id="{66E6E29F-8050-47EF-C393-12A6A7134D73}"/>
+              </a:ext>
+            </a:extLst>
+          </p:cNvPr>
+          <p:cNvSpPr txBox="1"/>
+          <p:nvPr/>
+        </p:nvSpPr>
+        <p:spPr>
+          <a:xfrm>
+            <a:off x="2739624" y="5831916"/>
+            <a:ext cx="1593450" cy="923330"/>
+          </a:xfrm>
+          <a:prstGeom prst="rect">
+            <a:avLst/>
+          </a:prstGeom>
+          <a:noFill/>
+        </p:spPr>
+        <p:txBody>
+          <a:bodyPr wrap="none" rtlCol="0">
+            <a:spAutoFit/>
+          </a:bodyPr>
+          <a:lstStyle/>
+          <a:p>
+            <a:pPr algn="ctr"/>
+            <a:r>
+              <a:rPr lang="en-US" b="1" dirty="0"/>
+              <a:t>Training is any </a:t>
+            </a:r>
+          </a:p>
+          <a:p>
+            <a:pPr algn="ctr"/>
+            <a:r>
+              <a:rPr lang="en-US" b="1" dirty="0"/>
+              <a:t>of the above</a:t>
+            </a:r>
+          </a:p>
+          <a:p>
+            <a:pPr algn="ctr"/>
+            <a:r>
+              <a:rPr lang="en-US" b="1" dirty="0"/>
+              <a:t> domain</a:t>
+            </a:r>
+          </a:p>
+        </p:txBody>
+      </p:sp>
+    </p:spTree>
+    <p:extLst>
+      <p:ext uri="{BB962C8B-B14F-4D97-AF65-F5344CB8AC3E}">
+        <p14:creationId xmlns:p14="http://schemas.microsoft.com/office/powerpoint/2010/main" val="1387538781"/>
+      </p:ext>
+    </p:extLst>
+  </p:cSld>
+  <p:clrMapOvr>
+    <a:masterClrMapping/>
+  </p:clrMapOvr>
+</p:sld>
+</file>
+
 <file path=ppt/theme/theme1.xml><?xml version="1.0" encoding="utf-8"?>
 <a:theme xmlns:a="http://schemas.openxmlformats.org/drawingml/2006/main" name="Office Theme">
   <a:themeElements>
